--- a/[Guide]git token 발급 및 연동 방법.pptx
+++ b/[Guide]git token 발급 및 연동 방법.pptx
@@ -4564,10 +4564,10 @@
       </p:grpSpPr>
       <p:pic>
         <p:nvPicPr>
-          <p:cNvPr id="9" name="그림 8">
+          <p:cNvPr id="3" name="그림 2">
             <a:extLst>
               <a:ext uri="{FF2B5EF4-FFF2-40B4-BE49-F238E27FC236}">
-                <a16:creationId xmlns:a16="http://schemas.microsoft.com/office/drawing/2014/main" id="{33B60F35-A721-471E-B6BE-3A7FD2410D58}"/>
+                <a16:creationId xmlns:a16="http://schemas.microsoft.com/office/drawing/2014/main" id="{25F06CFD-2022-4C99-9E54-1CB14AFD6291}"/>
               </a:ext>
             </a:extLst>
           </p:cNvPr>
@@ -4600,8 +4600,8 @@
         </p:nvSpPr>
         <p:spPr>
           <a:xfrm>
-            <a:off x="4478937" y="5198617"/>
-            <a:ext cx="2112373" cy="369332"/>
+            <a:off x="2849355" y="5368582"/>
+            <a:ext cx="5108386" cy="369332"/>
           </a:xfrm>
           <a:prstGeom prst="rect">
             <a:avLst/>
@@ -4620,7 +4620,23 @@
                   <a:srgbClr val="FF0000"/>
                 </a:solidFill>
               </a:rPr>
-              <a:t>4. Git Token </a:t>
+              <a:t>4. Git </a:t>
+            </a:r>
+            <a:r>
+              <a:rPr lang="ko-KR" altLang="en-US" b="1" dirty="0">
+                <a:solidFill>
+                  <a:srgbClr val="FF0000"/>
+                </a:solidFill>
+              </a:rPr>
+              <a:t>아이디 </a:t>
+            </a:r>
+            <a:r>
+              <a:rPr lang="en-US" altLang="ko-KR" b="1" dirty="0">
+                <a:solidFill>
+                  <a:srgbClr val="FF0000"/>
+                </a:solidFill>
+              </a:rPr>
+              <a:t>&amp; Token </a:t>
             </a:r>
             <a:r>
               <a:rPr lang="ko-KR" altLang="en-US" b="1" dirty="0">
@@ -4636,13 +4652,16 @@
                   <a:srgbClr val="FF0000"/>
                 </a:solidFill>
               </a:rPr>
-              <a:t>.</a:t>
-            </a:r>
-            <a:endParaRPr lang="ko-KR" altLang="en-US" b="1" dirty="0">
-              <a:solidFill>
-                <a:srgbClr val="FF0000"/>
-              </a:solidFill>
-            </a:endParaRPr>
+              <a:t> </a:t>
+            </a:r>
+            <a:r>
+              <a:rPr lang="ko-KR" altLang="en-US" b="1" dirty="0">
+                <a:solidFill>
+                  <a:srgbClr val="FF0000"/>
+                </a:solidFill>
+              </a:rPr>
+              <a:t>후 검증 버튼 클릭</a:t>
+            </a:r>
           </a:p>
         </p:txBody>
       </p:sp>
@@ -4660,8 +4679,60 @@
         </p:nvSpPr>
         <p:spPr>
           <a:xfrm>
-            <a:off x="4188185" y="4457567"/>
-            <a:ext cx="2693878" cy="369332"/>
+            <a:off x="4038653" y="4520012"/>
+            <a:ext cx="2972388" cy="277485"/>
+          </a:xfrm>
+          <a:prstGeom prst="rect">
+            <a:avLst/>
+          </a:prstGeom>
+          <a:noFill/>
+          <a:ln w="38100">
+            <a:solidFill>
+              <a:srgbClr val="FF0000"/>
+            </a:solidFill>
+          </a:ln>
+        </p:spPr>
+        <p:style>
+          <a:lnRef idx="2">
+            <a:schemeClr val="accent1">
+              <a:shade val="50000"/>
+            </a:schemeClr>
+          </a:lnRef>
+          <a:fillRef idx="1">
+            <a:schemeClr val="accent1"/>
+          </a:fillRef>
+          <a:effectRef idx="0">
+            <a:schemeClr val="accent1"/>
+          </a:effectRef>
+          <a:fontRef idx="minor">
+            <a:schemeClr val="lt1"/>
+          </a:fontRef>
+        </p:style>
+        <p:txBody>
+          <a:bodyPr rtlCol="0" anchor="ctr"/>
+          <a:lstStyle/>
+          <a:p>
+            <a:pPr algn="ctr"/>
+            <a:endParaRPr lang="ko-KR" altLang="en-US"/>
+          </a:p>
+        </p:txBody>
+      </p:sp>
+      <p:sp>
+        <p:nvSpPr>
+          <p:cNvPr id="10" name="직사각형 9">
+            <a:extLst>
+              <a:ext uri="{FF2B5EF4-FFF2-40B4-BE49-F238E27FC236}">
+                <a16:creationId xmlns:a16="http://schemas.microsoft.com/office/drawing/2014/main" id="{0CE1077C-70D4-4572-939D-08105B539A2A}"/>
+              </a:ext>
+            </a:extLst>
+          </p:cNvPr>
+          <p:cNvSpPr/>
+          <p:nvPr/>
+        </p:nvSpPr>
+        <p:spPr>
+          <a:xfrm>
+            <a:off x="4029322" y="3947075"/>
+            <a:ext cx="2972388" cy="252259"/>
           </a:xfrm>
           <a:prstGeom prst="rect">
             <a:avLst/>
